--- a/ppt 16-9/0675.心中的光.pptx
+++ b/ppt 16-9/0675.心中的光.pptx
@@ -129,7 +129,7 @@
           <p:cNvPr id="2" name="标题 1">
             <a:extLst>
               <a:ext uri="{FF2B5EF4-FFF2-40B4-BE49-F238E27FC236}">
-                <a16:creationId xmlns:a16="http://schemas.microsoft.com/office/drawing/2014/main" id="{252B8891-09EA-916A-E5A3-AF4D39BCA6D7}"/>
+                <a16:creationId xmlns:a16="http://schemas.microsoft.com/office/drawing/2014/main" id="{9556B507-CF1B-1D1F-6758-101BE759BE10}"/>
               </a:ext>
             </a:extLst>
           </p:cNvPr>
@@ -166,7 +166,7 @@
           <p:cNvPr id="3" name="副标题 2">
             <a:extLst>
               <a:ext uri="{FF2B5EF4-FFF2-40B4-BE49-F238E27FC236}">
-                <a16:creationId xmlns:a16="http://schemas.microsoft.com/office/drawing/2014/main" id="{C9C813EA-ED42-9B1D-585E-4668D8B6D03E}"/>
+                <a16:creationId xmlns:a16="http://schemas.microsoft.com/office/drawing/2014/main" id="{A4D4DF21-ABE5-E5CE-897D-5FBB06442F03}"/>
               </a:ext>
             </a:extLst>
           </p:cNvPr>
@@ -236,7 +236,7 @@
           <p:cNvPr id="4" name="日期占位符 3">
             <a:extLst>
               <a:ext uri="{FF2B5EF4-FFF2-40B4-BE49-F238E27FC236}">
-                <a16:creationId xmlns:a16="http://schemas.microsoft.com/office/drawing/2014/main" id="{460A3E81-0EDA-F82D-3283-9B1DCD41B747}"/>
+                <a16:creationId xmlns:a16="http://schemas.microsoft.com/office/drawing/2014/main" id="{1B88B145-9276-7472-0A08-54D419906DAB}"/>
               </a:ext>
             </a:extLst>
           </p:cNvPr>
@@ -252,7 +252,7 @@
           <a:bodyPr/>
           <a:lstStyle/>
           <a:p>
-            <a:fld id="{58C4A5D7-C5D7-4902-A4DC-9053CF0C9953}" type="datetimeFigureOut">
+            <a:fld id="{45AC5C1B-BEBD-4F17-AF24-B1B0203F812A}" type="datetimeFigureOut">
               <a:rPr lang="zh-CN" altLang="en-US" smtClean="0"/>
               <a:t>2024/3/10</a:t>
             </a:fld>
@@ -265,7 +265,7 @@
           <p:cNvPr id="5" name="页脚占位符 4">
             <a:extLst>
               <a:ext uri="{FF2B5EF4-FFF2-40B4-BE49-F238E27FC236}">
-                <a16:creationId xmlns:a16="http://schemas.microsoft.com/office/drawing/2014/main" id="{CC4FB2D9-F48E-5EC6-A630-7E519A5F3E26}"/>
+                <a16:creationId xmlns:a16="http://schemas.microsoft.com/office/drawing/2014/main" id="{322BE267-3007-EA22-3B8F-12F94CD389DF}"/>
               </a:ext>
             </a:extLst>
           </p:cNvPr>
@@ -290,7 +290,7 @@
           <p:cNvPr id="6" name="灯片编号占位符 5">
             <a:extLst>
               <a:ext uri="{FF2B5EF4-FFF2-40B4-BE49-F238E27FC236}">
-                <a16:creationId xmlns:a16="http://schemas.microsoft.com/office/drawing/2014/main" id="{ADD79A98-6EDF-0F15-78C7-417445E29663}"/>
+                <a16:creationId xmlns:a16="http://schemas.microsoft.com/office/drawing/2014/main" id="{1E093AC0-ACDC-D310-A71F-6C5C4788863C}"/>
               </a:ext>
             </a:extLst>
           </p:cNvPr>
@@ -306,7 +306,7 @@
           <a:bodyPr/>
           <a:lstStyle/>
           <a:p>
-            <a:fld id="{8317DD6C-708B-4E43-B8F8-F0D400424971}" type="slidenum">
+            <a:fld id="{AEB9421A-94CD-47B8-996E-CEE93F1450C7}" type="slidenum">
               <a:rPr lang="zh-CN" altLang="en-US" smtClean="0"/>
               <a:t>‹#›</a:t>
             </a:fld>
@@ -317,7 +317,7 @@
     </p:spTree>
     <p:extLst>
       <p:ext uri="{BB962C8B-B14F-4D97-AF65-F5344CB8AC3E}">
-        <p14:creationId xmlns:p14="http://schemas.microsoft.com/office/powerpoint/2010/main" val="3533809812"/>
+        <p14:creationId xmlns:p14="http://schemas.microsoft.com/office/powerpoint/2010/main" val="1123382239"/>
       </p:ext>
     </p:extLst>
   </p:cSld>
@@ -349,7 +349,7 @@
           <p:cNvPr id="2" name="标题 1">
             <a:extLst>
               <a:ext uri="{FF2B5EF4-FFF2-40B4-BE49-F238E27FC236}">
-                <a16:creationId xmlns:a16="http://schemas.microsoft.com/office/drawing/2014/main" id="{56DFF859-6623-2A91-6AAF-A9AA40B30C31}"/>
+                <a16:creationId xmlns:a16="http://schemas.microsoft.com/office/drawing/2014/main" id="{E9100A9E-F147-676E-243C-4D993434A587}"/>
               </a:ext>
             </a:extLst>
           </p:cNvPr>
@@ -377,7 +377,7 @@
           <p:cNvPr id="3" name="竖排文字占位符 2">
             <a:extLst>
               <a:ext uri="{FF2B5EF4-FFF2-40B4-BE49-F238E27FC236}">
-                <a16:creationId xmlns:a16="http://schemas.microsoft.com/office/drawing/2014/main" id="{268B2859-A2AA-85BA-B74D-25D2FD9D125A}"/>
+                <a16:creationId xmlns:a16="http://schemas.microsoft.com/office/drawing/2014/main" id="{0F7D7F96-BB01-3A52-2EB1-105C0DF93C00}"/>
               </a:ext>
             </a:extLst>
           </p:cNvPr>
@@ -434,7 +434,7 @@
           <p:cNvPr id="4" name="日期占位符 3">
             <a:extLst>
               <a:ext uri="{FF2B5EF4-FFF2-40B4-BE49-F238E27FC236}">
-                <a16:creationId xmlns:a16="http://schemas.microsoft.com/office/drawing/2014/main" id="{30ABC334-83E3-037E-7AB7-5A86A94D9CE7}"/>
+                <a16:creationId xmlns:a16="http://schemas.microsoft.com/office/drawing/2014/main" id="{C0FB2D9A-5E2C-242B-46F7-7EFBFE8FC679}"/>
               </a:ext>
             </a:extLst>
           </p:cNvPr>
@@ -450,7 +450,7 @@
           <a:bodyPr/>
           <a:lstStyle/>
           <a:p>
-            <a:fld id="{58C4A5D7-C5D7-4902-A4DC-9053CF0C9953}" type="datetimeFigureOut">
+            <a:fld id="{45AC5C1B-BEBD-4F17-AF24-B1B0203F812A}" type="datetimeFigureOut">
               <a:rPr lang="zh-CN" altLang="en-US" smtClean="0"/>
               <a:t>2024/3/10</a:t>
             </a:fld>
@@ -463,7 +463,7 @@
           <p:cNvPr id="5" name="页脚占位符 4">
             <a:extLst>
               <a:ext uri="{FF2B5EF4-FFF2-40B4-BE49-F238E27FC236}">
-                <a16:creationId xmlns:a16="http://schemas.microsoft.com/office/drawing/2014/main" id="{4F28C491-0D75-6295-ED42-B2BF55EBD62D}"/>
+                <a16:creationId xmlns:a16="http://schemas.microsoft.com/office/drawing/2014/main" id="{1BF925E1-AC39-710D-FD43-2A66CC6C60D6}"/>
               </a:ext>
             </a:extLst>
           </p:cNvPr>
@@ -488,7 +488,7 @@
           <p:cNvPr id="6" name="灯片编号占位符 5">
             <a:extLst>
               <a:ext uri="{FF2B5EF4-FFF2-40B4-BE49-F238E27FC236}">
-                <a16:creationId xmlns:a16="http://schemas.microsoft.com/office/drawing/2014/main" id="{5C75AFE1-414A-A2F6-9CFC-720D61C03A2F}"/>
+                <a16:creationId xmlns:a16="http://schemas.microsoft.com/office/drawing/2014/main" id="{C23283A3-D81C-06EA-51A7-532702414E88}"/>
               </a:ext>
             </a:extLst>
           </p:cNvPr>
@@ -504,7 +504,7 @@
           <a:bodyPr/>
           <a:lstStyle/>
           <a:p>
-            <a:fld id="{8317DD6C-708B-4E43-B8F8-F0D400424971}" type="slidenum">
+            <a:fld id="{AEB9421A-94CD-47B8-996E-CEE93F1450C7}" type="slidenum">
               <a:rPr lang="zh-CN" altLang="en-US" smtClean="0"/>
               <a:t>‹#›</a:t>
             </a:fld>
@@ -515,7 +515,7 @@
     </p:spTree>
     <p:extLst>
       <p:ext uri="{BB962C8B-B14F-4D97-AF65-F5344CB8AC3E}">
-        <p14:creationId xmlns:p14="http://schemas.microsoft.com/office/powerpoint/2010/main" val="2423581756"/>
+        <p14:creationId xmlns:p14="http://schemas.microsoft.com/office/powerpoint/2010/main" val="1149475875"/>
       </p:ext>
     </p:extLst>
   </p:cSld>
@@ -547,7 +547,7 @@
           <p:cNvPr id="2" name="竖排标题 1">
             <a:extLst>
               <a:ext uri="{FF2B5EF4-FFF2-40B4-BE49-F238E27FC236}">
-                <a16:creationId xmlns:a16="http://schemas.microsoft.com/office/drawing/2014/main" id="{11AE104F-4D38-98EA-8C91-DDF5C0F343FB}"/>
+                <a16:creationId xmlns:a16="http://schemas.microsoft.com/office/drawing/2014/main" id="{238BE9B2-949A-D311-836A-2E5B7D6AE719}"/>
               </a:ext>
             </a:extLst>
           </p:cNvPr>
@@ -580,7 +580,7 @@
           <p:cNvPr id="3" name="竖排文字占位符 2">
             <a:extLst>
               <a:ext uri="{FF2B5EF4-FFF2-40B4-BE49-F238E27FC236}">
-                <a16:creationId xmlns:a16="http://schemas.microsoft.com/office/drawing/2014/main" id="{2A931B30-4CEB-316F-B86F-67A8D90CEBBC}"/>
+                <a16:creationId xmlns:a16="http://schemas.microsoft.com/office/drawing/2014/main" id="{65BF8F4B-759E-76DA-0775-D54E856C7500}"/>
               </a:ext>
             </a:extLst>
           </p:cNvPr>
@@ -642,7 +642,7 @@
           <p:cNvPr id="4" name="日期占位符 3">
             <a:extLst>
               <a:ext uri="{FF2B5EF4-FFF2-40B4-BE49-F238E27FC236}">
-                <a16:creationId xmlns:a16="http://schemas.microsoft.com/office/drawing/2014/main" id="{C5649931-46AC-1AEB-F689-7DBF4D9FA203}"/>
+                <a16:creationId xmlns:a16="http://schemas.microsoft.com/office/drawing/2014/main" id="{E954D3EC-77F1-C1D0-ACEF-19C9932D4C71}"/>
               </a:ext>
             </a:extLst>
           </p:cNvPr>
@@ -658,7 +658,7 @@
           <a:bodyPr/>
           <a:lstStyle/>
           <a:p>
-            <a:fld id="{58C4A5D7-C5D7-4902-A4DC-9053CF0C9953}" type="datetimeFigureOut">
+            <a:fld id="{45AC5C1B-BEBD-4F17-AF24-B1B0203F812A}" type="datetimeFigureOut">
               <a:rPr lang="zh-CN" altLang="en-US" smtClean="0"/>
               <a:t>2024/3/10</a:t>
             </a:fld>
@@ -671,7 +671,7 @@
           <p:cNvPr id="5" name="页脚占位符 4">
             <a:extLst>
               <a:ext uri="{FF2B5EF4-FFF2-40B4-BE49-F238E27FC236}">
-                <a16:creationId xmlns:a16="http://schemas.microsoft.com/office/drawing/2014/main" id="{2BDE049D-8679-E463-71F1-01B7F5C6D5AD}"/>
+                <a16:creationId xmlns:a16="http://schemas.microsoft.com/office/drawing/2014/main" id="{D066E128-47BF-F5E3-4DA1-35121F551CA0}"/>
               </a:ext>
             </a:extLst>
           </p:cNvPr>
@@ -696,7 +696,7 @@
           <p:cNvPr id="6" name="灯片编号占位符 5">
             <a:extLst>
               <a:ext uri="{FF2B5EF4-FFF2-40B4-BE49-F238E27FC236}">
-                <a16:creationId xmlns:a16="http://schemas.microsoft.com/office/drawing/2014/main" id="{656AD50C-2822-ABD4-5626-FA0CBC23BB1C}"/>
+                <a16:creationId xmlns:a16="http://schemas.microsoft.com/office/drawing/2014/main" id="{49579659-328E-6352-BAAC-E907177EF74B}"/>
               </a:ext>
             </a:extLst>
           </p:cNvPr>
@@ -712,7 +712,7 @@
           <a:bodyPr/>
           <a:lstStyle/>
           <a:p>
-            <a:fld id="{8317DD6C-708B-4E43-B8F8-F0D400424971}" type="slidenum">
+            <a:fld id="{AEB9421A-94CD-47B8-996E-CEE93F1450C7}" type="slidenum">
               <a:rPr lang="zh-CN" altLang="en-US" smtClean="0"/>
               <a:t>‹#›</a:t>
             </a:fld>
@@ -723,7 +723,7 @@
     </p:spTree>
     <p:extLst>
       <p:ext uri="{BB962C8B-B14F-4D97-AF65-F5344CB8AC3E}">
-        <p14:creationId xmlns:p14="http://schemas.microsoft.com/office/powerpoint/2010/main" val="4228704656"/>
+        <p14:creationId xmlns:p14="http://schemas.microsoft.com/office/powerpoint/2010/main" val="187791782"/>
       </p:ext>
     </p:extLst>
   </p:cSld>
@@ -755,7 +755,7 @@
           <p:cNvPr id="2" name="标题 1">
             <a:extLst>
               <a:ext uri="{FF2B5EF4-FFF2-40B4-BE49-F238E27FC236}">
-                <a16:creationId xmlns:a16="http://schemas.microsoft.com/office/drawing/2014/main" id="{EEF44E0D-047B-6C42-09B1-BAF9878D6EC1}"/>
+                <a16:creationId xmlns:a16="http://schemas.microsoft.com/office/drawing/2014/main" id="{03C84FF4-9A11-D550-C6C6-EF24F341F8AC}"/>
               </a:ext>
             </a:extLst>
           </p:cNvPr>
@@ -783,7 +783,7 @@
           <p:cNvPr id="3" name="内容占位符 2">
             <a:extLst>
               <a:ext uri="{FF2B5EF4-FFF2-40B4-BE49-F238E27FC236}">
-                <a16:creationId xmlns:a16="http://schemas.microsoft.com/office/drawing/2014/main" id="{1BEBE608-CC86-B86C-8240-F99658805409}"/>
+                <a16:creationId xmlns:a16="http://schemas.microsoft.com/office/drawing/2014/main" id="{D2D1ECFD-BB65-7287-C7BA-96D38539A6E1}"/>
               </a:ext>
             </a:extLst>
           </p:cNvPr>
@@ -840,7 +840,7 @@
           <p:cNvPr id="4" name="日期占位符 3">
             <a:extLst>
               <a:ext uri="{FF2B5EF4-FFF2-40B4-BE49-F238E27FC236}">
-                <a16:creationId xmlns:a16="http://schemas.microsoft.com/office/drawing/2014/main" id="{86BC9B71-3503-06C6-EE9B-6476C5D307BF}"/>
+                <a16:creationId xmlns:a16="http://schemas.microsoft.com/office/drawing/2014/main" id="{B00D1DB2-1F20-1FA0-847C-79678E290EEA}"/>
               </a:ext>
             </a:extLst>
           </p:cNvPr>
@@ -856,7 +856,7 @@
           <a:bodyPr/>
           <a:lstStyle/>
           <a:p>
-            <a:fld id="{58C4A5D7-C5D7-4902-A4DC-9053CF0C9953}" type="datetimeFigureOut">
+            <a:fld id="{45AC5C1B-BEBD-4F17-AF24-B1B0203F812A}" type="datetimeFigureOut">
               <a:rPr lang="zh-CN" altLang="en-US" smtClean="0"/>
               <a:t>2024/3/10</a:t>
             </a:fld>
@@ -869,7 +869,7 @@
           <p:cNvPr id="5" name="页脚占位符 4">
             <a:extLst>
               <a:ext uri="{FF2B5EF4-FFF2-40B4-BE49-F238E27FC236}">
-                <a16:creationId xmlns:a16="http://schemas.microsoft.com/office/drawing/2014/main" id="{D84947FF-0DF6-15D2-E8C8-00840A37B3EA}"/>
+                <a16:creationId xmlns:a16="http://schemas.microsoft.com/office/drawing/2014/main" id="{B2521129-79E4-FB85-7329-876140712609}"/>
               </a:ext>
             </a:extLst>
           </p:cNvPr>
@@ -894,7 +894,7 @@
           <p:cNvPr id="6" name="灯片编号占位符 5">
             <a:extLst>
               <a:ext uri="{FF2B5EF4-FFF2-40B4-BE49-F238E27FC236}">
-                <a16:creationId xmlns:a16="http://schemas.microsoft.com/office/drawing/2014/main" id="{FEEC47D1-361D-7BD5-3F1D-E91FCBDF2FB7}"/>
+                <a16:creationId xmlns:a16="http://schemas.microsoft.com/office/drawing/2014/main" id="{277090B6-BEA4-4D89-9294-9D6FE7AC0E01}"/>
               </a:ext>
             </a:extLst>
           </p:cNvPr>
@@ -910,7 +910,7 @@
           <a:bodyPr/>
           <a:lstStyle/>
           <a:p>
-            <a:fld id="{8317DD6C-708B-4E43-B8F8-F0D400424971}" type="slidenum">
+            <a:fld id="{AEB9421A-94CD-47B8-996E-CEE93F1450C7}" type="slidenum">
               <a:rPr lang="zh-CN" altLang="en-US" smtClean="0"/>
               <a:t>‹#›</a:t>
             </a:fld>
@@ -921,7 +921,7 @@
     </p:spTree>
     <p:extLst>
       <p:ext uri="{BB962C8B-B14F-4D97-AF65-F5344CB8AC3E}">
-        <p14:creationId xmlns:p14="http://schemas.microsoft.com/office/powerpoint/2010/main" val="1546053238"/>
+        <p14:creationId xmlns:p14="http://schemas.microsoft.com/office/powerpoint/2010/main" val="4095535535"/>
       </p:ext>
     </p:extLst>
   </p:cSld>
@@ -953,7 +953,7 @@
           <p:cNvPr id="2" name="标题 1">
             <a:extLst>
               <a:ext uri="{FF2B5EF4-FFF2-40B4-BE49-F238E27FC236}">
-                <a16:creationId xmlns:a16="http://schemas.microsoft.com/office/drawing/2014/main" id="{09448BE7-8775-1665-DC95-8AE89690E760}"/>
+                <a16:creationId xmlns:a16="http://schemas.microsoft.com/office/drawing/2014/main" id="{EB715879-0F8A-CE04-E35F-ADB3B34F8734}"/>
               </a:ext>
             </a:extLst>
           </p:cNvPr>
@@ -990,7 +990,7 @@
           <p:cNvPr id="3" name="文本占位符 2">
             <a:extLst>
               <a:ext uri="{FF2B5EF4-FFF2-40B4-BE49-F238E27FC236}">
-                <a16:creationId xmlns:a16="http://schemas.microsoft.com/office/drawing/2014/main" id="{47AD9C5E-8510-1FEA-13CF-08D4747C6C82}"/>
+                <a16:creationId xmlns:a16="http://schemas.microsoft.com/office/drawing/2014/main" id="{BC67AA8E-99BE-EBF0-9A70-3229F7CD4C67}"/>
               </a:ext>
             </a:extLst>
           </p:cNvPr>
@@ -1115,7 +1115,7 @@
           <p:cNvPr id="4" name="日期占位符 3">
             <a:extLst>
               <a:ext uri="{FF2B5EF4-FFF2-40B4-BE49-F238E27FC236}">
-                <a16:creationId xmlns:a16="http://schemas.microsoft.com/office/drawing/2014/main" id="{1CF20585-30C8-EC86-1DD2-3609C26C105E}"/>
+                <a16:creationId xmlns:a16="http://schemas.microsoft.com/office/drawing/2014/main" id="{2F93B074-55A7-9FFF-C410-26FD644FCEB5}"/>
               </a:ext>
             </a:extLst>
           </p:cNvPr>
@@ -1131,7 +1131,7 @@
           <a:bodyPr/>
           <a:lstStyle/>
           <a:p>
-            <a:fld id="{58C4A5D7-C5D7-4902-A4DC-9053CF0C9953}" type="datetimeFigureOut">
+            <a:fld id="{45AC5C1B-BEBD-4F17-AF24-B1B0203F812A}" type="datetimeFigureOut">
               <a:rPr lang="zh-CN" altLang="en-US" smtClean="0"/>
               <a:t>2024/3/10</a:t>
             </a:fld>
@@ -1144,7 +1144,7 @@
           <p:cNvPr id="5" name="页脚占位符 4">
             <a:extLst>
               <a:ext uri="{FF2B5EF4-FFF2-40B4-BE49-F238E27FC236}">
-                <a16:creationId xmlns:a16="http://schemas.microsoft.com/office/drawing/2014/main" id="{58E4D397-5FBF-A943-B3E7-AF50F59EE3C0}"/>
+                <a16:creationId xmlns:a16="http://schemas.microsoft.com/office/drawing/2014/main" id="{33527CDF-F80A-9FF3-6D38-B389F524AC64}"/>
               </a:ext>
             </a:extLst>
           </p:cNvPr>
@@ -1169,7 +1169,7 @@
           <p:cNvPr id="6" name="灯片编号占位符 5">
             <a:extLst>
               <a:ext uri="{FF2B5EF4-FFF2-40B4-BE49-F238E27FC236}">
-                <a16:creationId xmlns:a16="http://schemas.microsoft.com/office/drawing/2014/main" id="{DC9FAAC7-2D5E-51E1-F017-EFEC192484E3}"/>
+                <a16:creationId xmlns:a16="http://schemas.microsoft.com/office/drawing/2014/main" id="{0E44F675-57EC-85D1-7E87-DC2DA4D10D30}"/>
               </a:ext>
             </a:extLst>
           </p:cNvPr>
@@ -1185,7 +1185,7 @@
           <a:bodyPr/>
           <a:lstStyle/>
           <a:p>
-            <a:fld id="{8317DD6C-708B-4E43-B8F8-F0D400424971}" type="slidenum">
+            <a:fld id="{AEB9421A-94CD-47B8-996E-CEE93F1450C7}" type="slidenum">
               <a:rPr lang="zh-CN" altLang="en-US" smtClean="0"/>
               <a:t>‹#›</a:t>
             </a:fld>
@@ -1196,7 +1196,7 @@
     </p:spTree>
     <p:extLst>
       <p:ext uri="{BB962C8B-B14F-4D97-AF65-F5344CB8AC3E}">
-        <p14:creationId xmlns:p14="http://schemas.microsoft.com/office/powerpoint/2010/main" val="3641935460"/>
+        <p14:creationId xmlns:p14="http://schemas.microsoft.com/office/powerpoint/2010/main" val="3849270510"/>
       </p:ext>
     </p:extLst>
   </p:cSld>
@@ -1228,7 +1228,7 @@
           <p:cNvPr id="2" name="标题 1">
             <a:extLst>
               <a:ext uri="{FF2B5EF4-FFF2-40B4-BE49-F238E27FC236}">
-                <a16:creationId xmlns:a16="http://schemas.microsoft.com/office/drawing/2014/main" id="{48661993-90E1-C666-BE0E-141B7C7AB3F3}"/>
+                <a16:creationId xmlns:a16="http://schemas.microsoft.com/office/drawing/2014/main" id="{0E4BAA2C-BFA8-DEF0-1677-49245EAAF2B2}"/>
               </a:ext>
             </a:extLst>
           </p:cNvPr>
@@ -1256,7 +1256,7 @@
           <p:cNvPr id="3" name="内容占位符 2">
             <a:extLst>
               <a:ext uri="{FF2B5EF4-FFF2-40B4-BE49-F238E27FC236}">
-                <a16:creationId xmlns:a16="http://schemas.microsoft.com/office/drawing/2014/main" id="{A1CDB728-7E79-270C-D69A-63EB608F62A8}"/>
+                <a16:creationId xmlns:a16="http://schemas.microsoft.com/office/drawing/2014/main" id="{46C0A825-2926-C4C6-3349-91BF3F41CF88}"/>
               </a:ext>
             </a:extLst>
           </p:cNvPr>
@@ -1318,7 +1318,7 @@
           <p:cNvPr id="4" name="内容占位符 3">
             <a:extLst>
               <a:ext uri="{FF2B5EF4-FFF2-40B4-BE49-F238E27FC236}">
-                <a16:creationId xmlns:a16="http://schemas.microsoft.com/office/drawing/2014/main" id="{CCD045AD-019F-71E3-6453-6D59919801C3}"/>
+                <a16:creationId xmlns:a16="http://schemas.microsoft.com/office/drawing/2014/main" id="{DDA4D820-0E94-12C8-7800-BA54C2A1AB6B}"/>
               </a:ext>
             </a:extLst>
           </p:cNvPr>
@@ -1380,7 +1380,7 @@
           <p:cNvPr id="5" name="日期占位符 4">
             <a:extLst>
               <a:ext uri="{FF2B5EF4-FFF2-40B4-BE49-F238E27FC236}">
-                <a16:creationId xmlns:a16="http://schemas.microsoft.com/office/drawing/2014/main" id="{0780192E-03DB-6402-1350-22B4C9AD7A2F}"/>
+                <a16:creationId xmlns:a16="http://schemas.microsoft.com/office/drawing/2014/main" id="{755619CF-E027-C9A5-1195-78CC2160EE93}"/>
               </a:ext>
             </a:extLst>
           </p:cNvPr>
@@ -1396,7 +1396,7 @@
           <a:bodyPr/>
           <a:lstStyle/>
           <a:p>
-            <a:fld id="{58C4A5D7-C5D7-4902-A4DC-9053CF0C9953}" type="datetimeFigureOut">
+            <a:fld id="{45AC5C1B-BEBD-4F17-AF24-B1B0203F812A}" type="datetimeFigureOut">
               <a:rPr lang="zh-CN" altLang="en-US" smtClean="0"/>
               <a:t>2024/3/10</a:t>
             </a:fld>
@@ -1409,7 +1409,7 @@
           <p:cNvPr id="6" name="页脚占位符 5">
             <a:extLst>
               <a:ext uri="{FF2B5EF4-FFF2-40B4-BE49-F238E27FC236}">
-                <a16:creationId xmlns:a16="http://schemas.microsoft.com/office/drawing/2014/main" id="{040EF613-9FB6-BB53-8141-663F834556F5}"/>
+                <a16:creationId xmlns:a16="http://schemas.microsoft.com/office/drawing/2014/main" id="{56EE8FB8-1DC6-1B48-5754-1A271AC419DB}"/>
               </a:ext>
             </a:extLst>
           </p:cNvPr>
@@ -1434,7 +1434,7 @@
           <p:cNvPr id="7" name="灯片编号占位符 6">
             <a:extLst>
               <a:ext uri="{FF2B5EF4-FFF2-40B4-BE49-F238E27FC236}">
-                <a16:creationId xmlns:a16="http://schemas.microsoft.com/office/drawing/2014/main" id="{786FCD49-A41F-8447-3DF6-670507312B15}"/>
+                <a16:creationId xmlns:a16="http://schemas.microsoft.com/office/drawing/2014/main" id="{FF839C5E-7901-075B-A48F-3BC22C6F1817}"/>
               </a:ext>
             </a:extLst>
           </p:cNvPr>
@@ -1450,7 +1450,7 @@
           <a:bodyPr/>
           <a:lstStyle/>
           <a:p>
-            <a:fld id="{8317DD6C-708B-4E43-B8F8-F0D400424971}" type="slidenum">
+            <a:fld id="{AEB9421A-94CD-47B8-996E-CEE93F1450C7}" type="slidenum">
               <a:rPr lang="zh-CN" altLang="en-US" smtClean="0"/>
               <a:t>‹#›</a:t>
             </a:fld>
@@ -1461,7 +1461,7 @@
     </p:spTree>
     <p:extLst>
       <p:ext uri="{BB962C8B-B14F-4D97-AF65-F5344CB8AC3E}">
-        <p14:creationId xmlns:p14="http://schemas.microsoft.com/office/powerpoint/2010/main" val="4227691158"/>
+        <p14:creationId xmlns:p14="http://schemas.microsoft.com/office/powerpoint/2010/main" val="48657420"/>
       </p:ext>
     </p:extLst>
   </p:cSld>
@@ -1493,7 +1493,7 @@
           <p:cNvPr id="2" name="标题 1">
             <a:extLst>
               <a:ext uri="{FF2B5EF4-FFF2-40B4-BE49-F238E27FC236}">
-                <a16:creationId xmlns:a16="http://schemas.microsoft.com/office/drawing/2014/main" id="{99D6897A-BF1C-C693-E793-4A04EB48AE30}"/>
+                <a16:creationId xmlns:a16="http://schemas.microsoft.com/office/drawing/2014/main" id="{D31D7045-E5DC-502B-9296-B2C3CDB9FAA1}"/>
               </a:ext>
             </a:extLst>
           </p:cNvPr>
@@ -1526,7 +1526,7 @@
           <p:cNvPr id="3" name="文本占位符 2">
             <a:extLst>
               <a:ext uri="{FF2B5EF4-FFF2-40B4-BE49-F238E27FC236}">
-                <a16:creationId xmlns:a16="http://schemas.microsoft.com/office/drawing/2014/main" id="{3D288684-CF7A-3977-DB93-B2D71D10706E}"/>
+                <a16:creationId xmlns:a16="http://schemas.microsoft.com/office/drawing/2014/main" id="{7A1FBA25-EC25-1308-9106-8BACE7100CB5}"/>
               </a:ext>
             </a:extLst>
           </p:cNvPr>
@@ -1597,7 +1597,7 @@
           <p:cNvPr id="4" name="内容占位符 3">
             <a:extLst>
               <a:ext uri="{FF2B5EF4-FFF2-40B4-BE49-F238E27FC236}">
-                <a16:creationId xmlns:a16="http://schemas.microsoft.com/office/drawing/2014/main" id="{E2E45C30-0B15-38C7-9ABE-2A77A695E0F2}"/>
+                <a16:creationId xmlns:a16="http://schemas.microsoft.com/office/drawing/2014/main" id="{9605A63D-EB1E-CC84-B681-26DBD4B0B86F}"/>
               </a:ext>
             </a:extLst>
           </p:cNvPr>
@@ -1659,7 +1659,7 @@
           <p:cNvPr id="5" name="文本占位符 4">
             <a:extLst>
               <a:ext uri="{FF2B5EF4-FFF2-40B4-BE49-F238E27FC236}">
-                <a16:creationId xmlns:a16="http://schemas.microsoft.com/office/drawing/2014/main" id="{D8C6088A-CC5F-B888-CE62-2AC12760FE45}"/>
+                <a16:creationId xmlns:a16="http://schemas.microsoft.com/office/drawing/2014/main" id="{2ED087D2-CBFC-A2AE-D7AE-02B2C172CE14}"/>
               </a:ext>
             </a:extLst>
           </p:cNvPr>
@@ -1730,7 +1730,7 @@
           <p:cNvPr id="6" name="内容占位符 5">
             <a:extLst>
               <a:ext uri="{FF2B5EF4-FFF2-40B4-BE49-F238E27FC236}">
-                <a16:creationId xmlns:a16="http://schemas.microsoft.com/office/drawing/2014/main" id="{9B11F879-6CD4-F265-DE8F-1BCBB50CED0E}"/>
+                <a16:creationId xmlns:a16="http://schemas.microsoft.com/office/drawing/2014/main" id="{8A28841E-7690-30AE-C872-FB3D04FB60EB}"/>
               </a:ext>
             </a:extLst>
           </p:cNvPr>
@@ -1792,7 +1792,7 @@
           <p:cNvPr id="7" name="日期占位符 6">
             <a:extLst>
               <a:ext uri="{FF2B5EF4-FFF2-40B4-BE49-F238E27FC236}">
-                <a16:creationId xmlns:a16="http://schemas.microsoft.com/office/drawing/2014/main" id="{7902D2D4-3639-F2C2-D1C2-F3FDB6023F5B}"/>
+                <a16:creationId xmlns:a16="http://schemas.microsoft.com/office/drawing/2014/main" id="{EAEC52F1-E2D2-E4E4-156E-44B596FFF74B}"/>
               </a:ext>
             </a:extLst>
           </p:cNvPr>
@@ -1808,7 +1808,7 @@
           <a:bodyPr/>
           <a:lstStyle/>
           <a:p>
-            <a:fld id="{58C4A5D7-C5D7-4902-A4DC-9053CF0C9953}" type="datetimeFigureOut">
+            <a:fld id="{45AC5C1B-BEBD-4F17-AF24-B1B0203F812A}" type="datetimeFigureOut">
               <a:rPr lang="zh-CN" altLang="en-US" smtClean="0"/>
               <a:t>2024/3/10</a:t>
             </a:fld>
@@ -1821,7 +1821,7 @@
           <p:cNvPr id="8" name="页脚占位符 7">
             <a:extLst>
               <a:ext uri="{FF2B5EF4-FFF2-40B4-BE49-F238E27FC236}">
-                <a16:creationId xmlns:a16="http://schemas.microsoft.com/office/drawing/2014/main" id="{361D3C6B-06DE-F3AF-7F7B-57399189E235}"/>
+                <a16:creationId xmlns:a16="http://schemas.microsoft.com/office/drawing/2014/main" id="{436A434C-6A0F-9ABF-E3B6-FD85521C4F51}"/>
               </a:ext>
             </a:extLst>
           </p:cNvPr>
@@ -1846,7 +1846,7 @@
           <p:cNvPr id="9" name="灯片编号占位符 8">
             <a:extLst>
               <a:ext uri="{FF2B5EF4-FFF2-40B4-BE49-F238E27FC236}">
-                <a16:creationId xmlns:a16="http://schemas.microsoft.com/office/drawing/2014/main" id="{3577E4C9-E25F-6361-D997-0ABD0BFCEE15}"/>
+                <a16:creationId xmlns:a16="http://schemas.microsoft.com/office/drawing/2014/main" id="{63DA25B4-17BB-693E-705F-5348BD3A4CAA}"/>
               </a:ext>
             </a:extLst>
           </p:cNvPr>
@@ -1862,7 +1862,7 @@
           <a:bodyPr/>
           <a:lstStyle/>
           <a:p>
-            <a:fld id="{8317DD6C-708B-4E43-B8F8-F0D400424971}" type="slidenum">
+            <a:fld id="{AEB9421A-94CD-47B8-996E-CEE93F1450C7}" type="slidenum">
               <a:rPr lang="zh-CN" altLang="en-US" smtClean="0"/>
               <a:t>‹#›</a:t>
             </a:fld>
@@ -1873,7 +1873,7 @@
     </p:spTree>
     <p:extLst>
       <p:ext uri="{BB962C8B-B14F-4D97-AF65-F5344CB8AC3E}">
-        <p14:creationId xmlns:p14="http://schemas.microsoft.com/office/powerpoint/2010/main" val="2703222795"/>
+        <p14:creationId xmlns:p14="http://schemas.microsoft.com/office/powerpoint/2010/main" val="106933454"/>
       </p:ext>
     </p:extLst>
   </p:cSld>
@@ -1905,7 +1905,7 @@
           <p:cNvPr id="2" name="标题 1">
             <a:extLst>
               <a:ext uri="{FF2B5EF4-FFF2-40B4-BE49-F238E27FC236}">
-                <a16:creationId xmlns:a16="http://schemas.microsoft.com/office/drawing/2014/main" id="{1B3D4B63-383D-B102-A7F1-8A11C0F5EC0A}"/>
+                <a16:creationId xmlns:a16="http://schemas.microsoft.com/office/drawing/2014/main" id="{D506ED5D-4B3B-4DDC-6AB7-8C7FF1F2A2F4}"/>
               </a:ext>
             </a:extLst>
           </p:cNvPr>
@@ -1933,7 +1933,7 @@
           <p:cNvPr id="3" name="日期占位符 2">
             <a:extLst>
               <a:ext uri="{FF2B5EF4-FFF2-40B4-BE49-F238E27FC236}">
-                <a16:creationId xmlns:a16="http://schemas.microsoft.com/office/drawing/2014/main" id="{E9128581-4192-F2AC-F0D8-42AB73623916}"/>
+                <a16:creationId xmlns:a16="http://schemas.microsoft.com/office/drawing/2014/main" id="{C7306020-186E-B932-2F45-ADA85FF9CB46}"/>
               </a:ext>
             </a:extLst>
           </p:cNvPr>
@@ -1949,7 +1949,7 @@
           <a:bodyPr/>
           <a:lstStyle/>
           <a:p>
-            <a:fld id="{58C4A5D7-C5D7-4902-A4DC-9053CF0C9953}" type="datetimeFigureOut">
+            <a:fld id="{45AC5C1B-BEBD-4F17-AF24-B1B0203F812A}" type="datetimeFigureOut">
               <a:rPr lang="zh-CN" altLang="en-US" smtClean="0"/>
               <a:t>2024/3/10</a:t>
             </a:fld>
@@ -1962,7 +1962,7 @@
           <p:cNvPr id="4" name="页脚占位符 3">
             <a:extLst>
               <a:ext uri="{FF2B5EF4-FFF2-40B4-BE49-F238E27FC236}">
-                <a16:creationId xmlns:a16="http://schemas.microsoft.com/office/drawing/2014/main" id="{0A84CB82-07CD-C5ED-1A8E-3C8933BCDA75}"/>
+                <a16:creationId xmlns:a16="http://schemas.microsoft.com/office/drawing/2014/main" id="{47F0B271-B067-C689-54C9-864BFDE20F81}"/>
               </a:ext>
             </a:extLst>
           </p:cNvPr>
@@ -1987,7 +1987,7 @@
           <p:cNvPr id="5" name="灯片编号占位符 4">
             <a:extLst>
               <a:ext uri="{FF2B5EF4-FFF2-40B4-BE49-F238E27FC236}">
-                <a16:creationId xmlns:a16="http://schemas.microsoft.com/office/drawing/2014/main" id="{7DA0D5AC-9904-2294-210F-E1F5C2A9FCF9}"/>
+                <a16:creationId xmlns:a16="http://schemas.microsoft.com/office/drawing/2014/main" id="{444A44A5-43F4-044A-4397-41D9371D4DBD}"/>
               </a:ext>
             </a:extLst>
           </p:cNvPr>
@@ -2003,7 +2003,7 @@
           <a:bodyPr/>
           <a:lstStyle/>
           <a:p>
-            <a:fld id="{8317DD6C-708B-4E43-B8F8-F0D400424971}" type="slidenum">
+            <a:fld id="{AEB9421A-94CD-47B8-996E-CEE93F1450C7}" type="slidenum">
               <a:rPr lang="zh-CN" altLang="en-US" smtClean="0"/>
               <a:t>‹#›</a:t>
             </a:fld>
@@ -2014,7 +2014,7 @@
     </p:spTree>
     <p:extLst>
       <p:ext uri="{BB962C8B-B14F-4D97-AF65-F5344CB8AC3E}">
-        <p14:creationId xmlns:p14="http://schemas.microsoft.com/office/powerpoint/2010/main" val="3401137543"/>
+        <p14:creationId xmlns:p14="http://schemas.microsoft.com/office/powerpoint/2010/main" val="1514686888"/>
       </p:ext>
     </p:extLst>
   </p:cSld>
@@ -2046,7 +2046,7 @@
           <p:cNvPr id="2" name="日期占位符 1">
             <a:extLst>
               <a:ext uri="{FF2B5EF4-FFF2-40B4-BE49-F238E27FC236}">
-                <a16:creationId xmlns:a16="http://schemas.microsoft.com/office/drawing/2014/main" id="{F8050DF9-BDBE-B5E0-6D3A-F8CD46E52A16}"/>
+                <a16:creationId xmlns:a16="http://schemas.microsoft.com/office/drawing/2014/main" id="{3A5A8BB9-3D55-051C-5613-CFCE10DAA53F}"/>
               </a:ext>
             </a:extLst>
           </p:cNvPr>
@@ -2062,7 +2062,7 @@
           <a:bodyPr/>
           <a:lstStyle/>
           <a:p>
-            <a:fld id="{58C4A5D7-C5D7-4902-A4DC-9053CF0C9953}" type="datetimeFigureOut">
+            <a:fld id="{45AC5C1B-BEBD-4F17-AF24-B1B0203F812A}" type="datetimeFigureOut">
               <a:rPr lang="zh-CN" altLang="en-US" smtClean="0"/>
               <a:t>2024/3/10</a:t>
             </a:fld>
@@ -2075,7 +2075,7 @@
           <p:cNvPr id="3" name="页脚占位符 2">
             <a:extLst>
               <a:ext uri="{FF2B5EF4-FFF2-40B4-BE49-F238E27FC236}">
-                <a16:creationId xmlns:a16="http://schemas.microsoft.com/office/drawing/2014/main" id="{31B11C2B-B1CC-9994-3094-31AD2C5F6E6B}"/>
+                <a16:creationId xmlns:a16="http://schemas.microsoft.com/office/drawing/2014/main" id="{8F58496F-31C3-E2DF-FD20-995DFE4D840F}"/>
               </a:ext>
             </a:extLst>
           </p:cNvPr>
@@ -2100,7 +2100,7 @@
           <p:cNvPr id="4" name="灯片编号占位符 3">
             <a:extLst>
               <a:ext uri="{FF2B5EF4-FFF2-40B4-BE49-F238E27FC236}">
-                <a16:creationId xmlns:a16="http://schemas.microsoft.com/office/drawing/2014/main" id="{244D6A9F-71EF-85EF-7B44-9F61753F4CD3}"/>
+                <a16:creationId xmlns:a16="http://schemas.microsoft.com/office/drawing/2014/main" id="{223ACFB3-9DC5-7F81-05F2-07D0B545E04C}"/>
               </a:ext>
             </a:extLst>
           </p:cNvPr>
@@ -2116,7 +2116,7 @@
           <a:bodyPr/>
           <a:lstStyle/>
           <a:p>
-            <a:fld id="{8317DD6C-708B-4E43-B8F8-F0D400424971}" type="slidenum">
+            <a:fld id="{AEB9421A-94CD-47B8-996E-CEE93F1450C7}" type="slidenum">
               <a:rPr lang="zh-CN" altLang="en-US" smtClean="0"/>
               <a:t>‹#›</a:t>
             </a:fld>
@@ -2127,7 +2127,7 @@
     </p:spTree>
     <p:extLst>
       <p:ext uri="{BB962C8B-B14F-4D97-AF65-F5344CB8AC3E}">
-        <p14:creationId xmlns:p14="http://schemas.microsoft.com/office/powerpoint/2010/main" val="672024562"/>
+        <p14:creationId xmlns:p14="http://schemas.microsoft.com/office/powerpoint/2010/main" val="1344789928"/>
       </p:ext>
     </p:extLst>
   </p:cSld>
@@ -2159,7 +2159,7 @@
           <p:cNvPr id="2" name="标题 1">
             <a:extLst>
               <a:ext uri="{FF2B5EF4-FFF2-40B4-BE49-F238E27FC236}">
-                <a16:creationId xmlns:a16="http://schemas.microsoft.com/office/drawing/2014/main" id="{58EBB005-5658-56C5-2A9B-7EDD1E330E5F}"/>
+                <a16:creationId xmlns:a16="http://schemas.microsoft.com/office/drawing/2014/main" id="{9D2A63FD-A304-74A5-25B8-E669E6D50B8D}"/>
               </a:ext>
             </a:extLst>
           </p:cNvPr>
@@ -2196,7 +2196,7 @@
           <p:cNvPr id="3" name="内容占位符 2">
             <a:extLst>
               <a:ext uri="{FF2B5EF4-FFF2-40B4-BE49-F238E27FC236}">
-                <a16:creationId xmlns:a16="http://schemas.microsoft.com/office/drawing/2014/main" id="{100FAAB7-F3C6-D29E-3C2C-65CAADEFC007}"/>
+                <a16:creationId xmlns:a16="http://schemas.microsoft.com/office/drawing/2014/main" id="{49DB4F97-C015-EF36-4A5B-5126B1A120E7}"/>
               </a:ext>
             </a:extLst>
           </p:cNvPr>
@@ -2286,7 +2286,7 @@
           <p:cNvPr id="4" name="文本占位符 3">
             <a:extLst>
               <a:ext uri="{FF2B5EF4-FFF2-40B4-BE49-F238E27FC236}">
-                <a16:creationId xmlns:a16="http://schemas.microsoft.com/office/drawing/2014/main" id="{FA87BCFB-8007-CF25-EE6C-B9A29ABE687B}"/>
+                <a16:creationId xmlns:a16="http://schemas.microsoft.com/office/drawing/2014/main" id="{C5EAD1DD-6903-8E6E-63AB-CCCEADE425A3}"/>
               </a:ext>
             </a:extLst>
           </p:cNvPr>
@@ -2357,7 +2357,7 @@
           <p:cNvPr id="5" name="日期占位符 4">
             <a:extLst>
               <a:ext uri="{FF2B5EF4-FFF2-40B4-BE49-F238E27FC236}">
-                <a16:creationId xmlns:a16="http://schemas.microsoft.com/office/drawing/2014/main" id="{7FC52E0E-2707-4B0F-5CF3-ADDF2568A468}"/>
+                <a16:creationId xmlns:a16="http://schemas.microsoft.com/office/drawing/2014/main" id="{12F731A4-B872-74F1-3C5E-1F11B58E41E4}"/>
               </a:ext>
             </a:extLst>
           </p:cNvPr>
@@ -2373,7 +2373,7 @@
           <a:bodyPr/>
           <a:lstStyle/>
           <a:p>
-            <a:fld id="{58C4A5D7-C5D7-4902-A4DC-9053CF0C9953}" type="datetimeFigureOut">
+            <a:fld id="{45AC5C1B-BEBD-4F17-AF24-B1B0203F812A}" type="datetimeFigureOut">
               <a:rPr lang="zh-CN" altLang="en-US" smtClean="0"/>
               <a:t>2024/3/10</a:t>
             </a:fld>
@@ -2386,7 +2386,7 @@
           <p:cNvPr id="6" name="页脚占位符 5">
             <a:extLst>
               <a:ext uri="{FF2B5EF4-FFF2-40B4-BE49-F238E27FC236}">
-                <a16:creationId xmlns:a16="http://schemas.microsoft.com/office/drawing/2014/main" id="{E82AAF2B-2A63-30E9-140D-AB5940B129FE}"/>
+                <a16:creationId xmlns:a16="http://schemas.microsoft.com/office/drawing/2014/main" id="{69754699-B875-CD37-01DF-8976D2284E1F}"/>
               </a:ext>
             </a:extLst>
           </p:cNvPr>
@@ -2411,7 +2411,7 @@
           <p:cNvPr id="7" name="灯片编号占位符 6">
             <a:extLst>
               <a:ext uri="{FF2B5EF4-FFF2-40B4-BE49-F238E27FC236}">
-                <a16:creationId xmlns:a16="http://schemas.microsoft.com/office/drawing/2014/main" id="{3E9914BD-9187-1E82-F5F5-AEF1FCFA00C2}"/>
+                <a16:creationId xmlns:a16="http://schemas.microsoft.com/office/drawing/2014/main" id="{454CBD2C-9E43-3446-0A76-0FCF56B60EAF}"/>
               </a:ext>
             </a:extLst>
           </p:cNvPr>
@@ -2427,7 +2427,7 @@
           <a:bodyPr/>
           <a:lstStyle/>
           <a:p>
-            <a:fld id="{8317DD6C-708B-4E43-B8F8-F0D400424971}" type="slidenum">
+            <a:fld id="{AEB9421A-94CD-47B8-996E-CEE93F1450C7}" type="slidenum">
               <a:rPr lang="zh-CN" altLang="en-US" smtClean="0"/>
               <a:t>‹#›</a:t>
             </a:fld>
@@ -2438,7 +2438,7 @@
     </p:spTree>
     <p:extLst>
       <p:ext uri="{BB962C8B-B14F-4D97-AF65-F5344CB8AC3E}">
-        <p14:creationId xmlns:p14="http://schemas.microsoft.com/office/powerpoint/2010/main" val="883222831"/>
+        <p14:creationId xmlns:p14="http://schemas.microsoft.com/office/powerpoint/2010/main" val="2578815186"/>
       </p:ext>
     </p:extLst>
   </p:cSld>
@@ -2470,7 +2470,7 @@
           <p:cNvPr id="2" name="标题 1">
             <a:extLst>
               <a:ext uri="{FF2B5EF4-FFF2-40B4-BE49-F238E27FC236}">
-                <a16:creationId xmlns:a16="http://schemas.microsoft.com/office/drawing/2014/main" id="{80069F22-7D2E-AFFE-FC7B-FDD0FCAEF4D5}"/>
+                <a16:creationId xmlns:a16="http://schemas.microsoft.com/office/drawing/2014/main" id="{86A8E919-4311-BAC3-A503-837C3F08788A}"/>
               </a:ext>
             </a:extLst>
           </p:cNvPr>
@@ -2507,7 +2507,7 @@
           <p:cNvPr id="3" name="图片占位符 2">
             <a:extLst>
               <a:ext uri="{FF2B5EF4-FFF2-40B4-BE49-F238E27FC236}">
-                <a16:creationId xmlns:a16="http://schemas.microsoft.com/office/drawing/2014/main" id="{463EC029-3FFA-462D-EEA8-48A51AA9C9D3}"/>
+                <a16:creationId xmlns:a16="http://schemas.microsoft.com/office/drawing/2014/main" id="{932C6772-4037-6B31-0303-6D4600CE4140}"/>
               </a:ext>
             </a:extLst>
           </p:cNvPr>
@@ -2574,7 +2574,7 @@
           <p:cNvPr id="4" name="文本占位符 3">
             <a:extLst>
               <a:ext uri="{FF2B5EF4-FFF2-40B4-BE49-F238E27FC236}">
-                <a16:creationId xmlns:a16="http://schemas.microsoft.com/office/drawing/2014/main" id="{929BD629-8C44-61EF-799E-B809B73B39DB}"/>
+                <a16:creationId xmlns:a16="http://schemas.microsoft.com/office/drawing/2014/main" id="{41AB470B-39AE-06B8-FD56-7787BC076443}"/>
               </a:ext>
             </a:extLst>
           </p:cNvPr>
@@ -2645,7 +2645,7 @@
           <p:cNvPr id="5" name="日期占位符 4">
             <a:extLst>
               <a:ext uri="{FF2B5EF4-FFF2-40B4-BE49-F238E27FC236}">
-                <a16:creationId xmlns:a16="http://schemas.microsoft.com/office/drawing/2014/main" id="{8F79C7CC-84F6-B260-E39F-866A9A4D4E62}"/>
+                <a16:creationId xmlns:a16="http://schemas.microsoft.com/office/drawing/2014/main" id="{BD59C3BE-0B9E-3B83-5703-E1B81CA329D0}"/>
               </a:ext>
             </a:extLst>
           </p:cNvPr>
@@ -2661,7 +2661,7 @@
           <a:bodyPr/>
           <a:lstStyle/>
           <a:p>
-            <a:fld id="{58C4A5D7-C5D7-4902-A4DC-9053CF0C9953}" type="datetimeFigureOut">
+            <a:fld id="{45AC5C1B-BEBD-4F17-AF24-B1B0203F812A}" type="datetimeFigureOut">
               <a:rPr lang="zh-CN" altLang="en-US" smtClean="0"/>
               <a:t>2024/3/10</a:t>
             </a:fld>
@@ -2674,7 +2674,7 @@
           <p:cNvPr id="6" name="页脚占位符 5">
             <a:extLst>
               <a:ext uri="{FF2B5EF4-FFF2-40B4-BE49-F238E27FC236}">
-                <a16:creationId xmlns:a16="http://schemas.microsoft.com/office/drawing/2014/main" id="{623ECD2C-BEC2-9F34-3B26-BC105B8C6814}"/>
+                <a16:creationId xmlns:a16="http://schemas.microsoft.com/office/drawing/2014/main" id="{D38A0A97-0745-B7AB-472A-A948623EBCDA}"/>
               </a:ext>
             </a:extLst>
           </p:cNvPr>
@@ -2699,7 +2699,7 @@
           <p:cNvPr id="7" name="灯片编号占位符 6">
             <a:extLst>
               <a:ext uri="{FF2B5EF4-FFF2-40B4-BE49-F238E27FC236}">
-                <a16:creationId xmlns:a16="http://schemas.microsoft.com/office/drawing/2014/main" id="{B2DF7387-6E61-F873-17E4-F38E96B65AB3}"/>
+                <a16:creationId xmlns:a16="http://schemas.microsoft.com/office/drawing/2014/main" id="{8D81F6C2-7C0B-1932-7F82-FB6AC75633F4}"/>
               </a:ext>
             </a:extLst>
           </p:cNvPr>
@@ -2715,7 +2715,7 @@
           <a:bodyPr/>
           <a:lstStyle/>
           <a:p>
-            <a:fld id="{8317DD6C-708B-4E43-B8F8-F0D400424971}" type="slidenum">
+            <a:fld id="{AEB9421A-94CD-47B8-996E-CEE93F1450C7}" type="slidenum">
               <a:rPr lang="zh-CN" altLang="en-US" smtClean="0"/>
               <a:t>‹#›</a:t>
             </a:fld>
@@ -2726,7 +2726,7 @@
     </p:spTree>
     <p:extLst>
       <p:ext uri="{BB962C8B-B14F-4D97-AF65-F5344CB8AC3E}">
-        <p14:creationId xmlns:p14="http://schemas.microsoft.com/office/powerpoint/2010/main" val="711758878"/>
+        <p14:creationId xmlns:p14="http://schemas.microsoft.com/office/powerpoint/2010/main" val="1375816251"/>
       </p:ext>
     </p:extLst>
   </p:cSld>
@@ -2763,7 +2763,7 @@
           <p:cNvPr id="2" name="标题占位符 1">
             <a:extLst>
               <a:ext uri="{FF2B5EF4-FFF2-40B4-BE49-F238E27FC236}">
-                <a16:creationId xmlns:a16="http://schemas.microsoft.com/office/drawing/2014/main" id="{255BE412-3004-6DF3-19F7-F68209A85D6D}"/>
+                <a16:creationId xmlns:a16="http://schemas.microsoft.com/office/drawing/2014/main" id="{B0907CB3-EFDB-472E-4FCC-E59A297FACFF}"/>
               </a:ext>
             </a:extLst>
           </p:cNvPr>
@@ -2801,7 +2801,7 @@
           <p:cNvPr id="3" name="文本占位符 2">
             <a:extLst>
               <a:ext uri="{FF2B5EF4-FFF2-40B4-BE49-F238E27FC236}">
-                <a16:creationId xmlns:a16="http://schemas.microsoft.com/office/drawing/2014/main" id="{7FDC7263-DA6F-6EFF-7958-5F042EBB468F}"/>
+                <a16:creationId xmlns:a16="http://schemas.microsoft.com/office/drawing/2014/main" id="{F299D8F4-4EA4-48F1-E0C1-C595F80BB735}"/>
               </a:ext>
             </a:extLst>
           </p:cNvPr>
@@ -2868,7 +2868,7 @@
           <p:cNvPr id="4" name="日期占位符 3">
             <a:extLst>
               <a:ext uri="{FF2B5EF4-FFF2-40B4-BE49-F238E27FC236}">
-                <a16:creationId xmlns:a16="http://schemas.microsoft.com/office/drawing/2014/main" id="{B160F793-E712-56B6-BA5C-9E6241A07D41}"/>
+                <a16:creationId xmlns:a16="http://schemas.microsoft.com/office/drawing/2014/main" id="{3B71A6C1-7F47-99CB-C96A-BA328EB556D3}"/>
               </a:ext>
             </a:extLst>
           </p:cNvPr>
@@ -2902,7 +2902,7 @@
             </a:lvl1pPr>
           </a:lstStyle>
           <a:p>
-            <a:fld id="{58C4A5D7-C5D7-4902-A4DC-9053CF0C9953}" type="datetimeFigureOut">
+            <a:fld id="{45AC5C1B-BEBD-4F17-AF24-B1B0203F812A}" type="datetimeFigureOut">
               <a:rPr lang="zh-CN" altLang="en-US" smtClean="0"/>
               <a:t>2024/3/10</a:t>
             </a:fld>
@@ -2915,7 +2915,7 @@
           <p:cNvPr id="5" name="页脚占位符 4">
             <a:extLst>
               <a:ext uri="{FF2B5EF4-FFF2-40B4-BE49-F238E27FC236}">
-                <a16:creationId xmlns:a16="http://schemas.microsoft.com/office/drawing/2014/main" id="{185C21DC-BFA4-05F0-CB39-2AAC5C497CC4}"/>
+                <a16:creationId xmlns:a16="http://schemas.microsoft.com/office/drawing/2014/main" id="{E19472C6-8380-8096-E519-71CBEA2E55F4}"/>
               </a:ext>
             </a:extLst>
           </p:cNvPr>
@@ -2958,7 +2958,7 @@
           <p:cNvPr id="6" name="灯片编号占位符 5">
             <a:extLst>
               <a:ext uri="{FF2B5EF4-FFF2-40B4-BE49-F238E27FC236}">
-                <a16:creationId xmlns:a16="http://schemas.microsoft.com/office/drawing/2014/main" id="{901F04BA-CDE2-B7DA-6F50-C9E5F5D11995}"/>
+                <a16:creationId xmlns:a16="http://schemas.microsoft.com/office/drawing/2014/main" id="{EE7969AA-A263-1802-81E4-9D5261E19173}"/>
               </a:ext>
             </a:extLst>
           </p:cNvPr>
@@ -2992,7 +2992,7 @@
             </a:lvl1pPr>
           </a:lstStyle>
           <a:p>
-            <a:fld id="{8317DD6C-708B-4E43-B8F8-F0D400424971}" type="slidenum">
+            <a:fld id="{AEB9421A-94CD-47B8-996E-CEE93F1450C7}" type="slidenum">
               <a:rPr lang="zh-CN" altLang="en-US" smtClean="0"/>
               <a:t>‹#›</a:t>
             </a:fld>
@@ -3003,7 +3003,7 @@
     </p:spTree>
     <p:extLst>
       <p:ext uri="{BB962C8B-B14F-4D97-AF65-F5344CB8AC3E}">
-        <p14:creationId xmlns:p14="http://schemas.microsoft.com/office/powerpoint/2010/main" val="1558206531"/>
+        <p14:creationId xmlns:p14="http://schemas.microsoft.com/office/powerpoint/2010/main" val="745518345"/>
       </p:ext>
     </p:extLst>
   </p:cSld>
